--- a/04-komponenty-formulare/todolist-todoitem-reseni.pptx
+++ b/04-komponenty-formulare/todolist-todoitem-reseni.pptx
@@ -120,6 +120,11 @@
       </a:defRPr>
     </a:lvl9pPr>
   </p:defaultTextStyle>
+  <p:extLst>
+    <p:ext uri="{EFAFB233-063F-42B5-8137-9DF3F51BA10A}">
+      <p15:sldGuideLst xmlns:p15="http://schemas.microsoft.com/office/powerpoint/2012/main"/>
+    </p:ext>
+  </p:extLst>
 </p:presentation>
 </file>
 
@@ -270,7 +275,7 @@
           <a:p>
             <a:fld id="{EA2F1093-4AC3-4D22-BD35-6A40EB0EC0C4}" type="datetimeFigureOut">
               <a:rPr lang="cs-CZ" smtClean="0"/>
-              <a:t>16.10.2021</a:t>
+              <a:t>15.10.2022</a:t>
             </a:fld>
             <a:endParaRPr lang="cs-CZ"/>
           </a:p>
@@ -468,7 +473,7 @@
           <a:p>
             <a:fld id="{EA2F1093-4AC3-4D22-BD35-6A40EB0EC0C4}" type="datetimeFigureOut">
               <a:rPr lang="cs-CZ" smtClean="0"/>
-              <a:t>16.10.2021</a:t>
+              <a:t>15.10.2022</a:t>
             </a:fld>
             <a:endParaRPr lang="cs-CZ"/>
           </a:p>
@@ -676,7 +681,7 @@
           <a:p>
             <a:fld id="{EA2F1093-4AC3-4D22-BD35-6A40EB0EC0C4}" type="datetimeFigureOut">
               <a:rPr lang="cs-CZ" smtClean="0"/>
-              <a:t>16.10.2021</a:t>
+              <a:t>15.10.2022</a:t>
             </a:fld>
             <a:endParaRPr lang="cs-CZ"/>
           </a:p>
@@ -874,7 +879,7 @@
           <a:p>
             <a:fld id="{EA2F1093-4AC3-4D22-BD35-6A40EB0EC0C4}" type="datetimeFigureOut">
               <a:rPr lang="cs-CZ" smtClean="0"/>
-              <a:t>16.10.2021</a:t>
+              <a:t>15.10.2022</a:t>
             </a:fld>
             <a:endParaRPr lang="cs-CZ"/>
           </a:p>
@@ -1149,7 +1154,7 @@
           <a:p>
             <a:fld id="{EA2F1093-4AC3-4D22-BD35-6A40EB0EC0C4}" type="datetimeFigureOut">
               <a:rPr lang="cs-CZ" smtClean="0"/>
-              <a:t>16.10.2021</a:t>
+              <a:t>15.10.2022</a:t>
             </a:fld>
             <a:endParaRPr lang="cs-CZ"/>
           </a:p>
@@ -1414,7 +1419,7 @@
           <a:p>
             <a:fld id="{EA2F1093-4AC3-4D22-BD35-6A40EB0EC0C4}" type="datetimeFigureOut">
               <a:rPr lang="cs-CZ" smtClean="0"/>
-              <a:t>16.10.2021</a:t>
+              <a:t>15.10.2022</a:t>
             </a:fld>
             <a:endParaRPr lang="cs-CZ"/>
           </a:p>
@@ -1826,7 +1831,7 @@
           <a:p>
             <a:fld id="{EA2F1093-4AC3-4D22-BD35-6A40EB0EC0C4}" type="datetimeFigureOut">
               <a:rPr lang="cs-CZ" smtClean="0"/>
-              <a:t>16.10.2021</a:t>
+              <a:t>15.10.2022</a:t>
             </a:fld>
             <a:endParaRPr lang="cs-CZ"/>
           </a:p>
@@ -1967,7 +1972,7 @@
           <a:p>
             <a:fld id="{EA2F1093-4AC3-4D22-BD35-6A40EB0EC0C4}" type="datetimeFigureOut">
               <a:rPr lang="cs-CZ" smtClean="0"/>
-              <a:t>16.10.2021</a:t>
+              <a:t>15.10.2022</a:t>
             </a:fld>
             <a:endParaRPr lang="cs-CZ"/>
           </a:p>
@@ -2080,7 +2085,7 @@
           <a:p>
             <a:fld id="{EA2F1093-4AC3-4D22-BD35-6A40EB0EC0C4}" type="datetimeFigureOut">
               <a:rPr lang="cs-CZ" smtClean="0"/>
-              <a:t>16.10.2021</a:t>
+              <a:t>15.10.2022</a:t>
             </a:fld>
             <a:endParaRPr lang="cs-CZ"/>
           </a:p>
@@ -2391,7 +2396,7 @@
           <a:p>
             <a:fld id="{EA2F1093-4AC3-4D22-BD35-6A40EB0EC0C4}" type="datetimeFigureOut">
               <a:rPr lang="cs-CZ" smtClean="0"/>
-              <a:t>16.10.2021</a:t>
+              <a:t>15.10.2022</a:t>
             </a:fld>
             <a:endParaRPr lang="cs-CZ"/>
           </a:p>
@@ -2679,7 +2684,7 @@
           <a:p>
             <a:fld id="{EA2F1093-4AC3-4D22-BD35-6A40EB0EC0C4}" type="datetimeFigureOut">
               <a:rPr lang="cs-CZ" smtClean="0"/>
-              <a:t>16.10.2021</a:t>
+              <a:t>15.10.2022</a:t>
             </a:fld>
             <a:endParaRPr lang="cs-CZ"/>
           </a:p>
@@ -2920,7 +2925,7 @@
           <a:p>
             <a:fld id="{EA2F1093-4AC3-4D22-BD35-6A40EB0EC0C4}" type="datetimeFigureOut">
               <a:rPr lang="cs-CZ" smtClean="0"/>
-              <a:t>16.10.2021</a:t>
+              <a:t>15.10.2022</a:t>
             </a:fld>
             <a:endParaRPr lang="cs-CZ"/>
           </a:p>
@@ -4212,23 +4217,7 @@
           <a:p>
             <a:r>
               <a:rPr lang="cs-CZ" dirty="0"/>
-              <a:t>Předání dat do šablony poté </a:t>
-            </a:r>
-            <a:r>
-              <a:rPr lang="cs-CZ" dirty="0" err="1"/>
-              <a:t>budep</a:t>
-            </a:r>
-            <a:r>
-              <a:rPr lang="cs-CZ" dirty="0"/>
-              <a:t> poté velmi </a:t>
-            </a:r>
-            <a:r>
-              <a:rPr lang="cs-CZ" dirty="0" err="1"/>
-              <a:t>jednoduhé</a:t>
-            </a:r>
-            <a:r>
-              <a:rPr lang="cs-CZ" dirty="0"/>
-              <a:t> – v metodě </a:t>
+              <a:t>Předání dat do šablony poté bude velmi jednoduché – v metodě </a:t>
             </a:r>
             <a:r>
               <a:rPr lang="cs-CZ" dirty="0" err="1"/>
@@ -4236,7 +4225,7 @@
             </a:r>
             <a:r>
               <a:rPr lang="cs-CZ" dirty="0"/>
-              <a:t> data pomocí modelu.</a:t>
+              <a:t> načteme data pomocí modelu.</a:t>
             </a:r>
           </a:p>
         </p:txBody>
